--- a/자료/Ch2. Boolean1 part1.pptx
+++ b/자료/Ch2. Boolean1 part1.pptx
@@ -7693,7 +7693,13 @@
                   <p:embed/>
                   <p:pic>
                     <p:nvPicPr>
-                      <p:cNvPr id="0" name="Object 3"/>
+                      <p:cNvPr id="15364" name="Object 3">
+                        <a:extLst>
+                          <a:ext uri="{FF2B5EF4-FFF2-40B4-BE49-F238E27FC236}">
+                            <a16:creationId xmlns:a16="http://schemas.microsoft.com/office/drawing/2014/main" id="{8F7569D4-C015-4232-82CA-553FFD9F32B6}"/>
+                          </a:ext>
+                        </a:extLst>
+                      </p:cNvPr>
                       <p:cNvPicPr>
                         <a:picLocks noChangeAspect="1" noChangeArrowheads="1"/>
                       </p:cNvPicPr>
@@ -7773,7 +7779,13 @@
           <p:cNvGraphicFramePr>
             <a:graphicFrameLocks noGrp="1"/>
           </p:cNvGraphicFramePr>
-          <p:nvPr/>
+          <p:nvPr>
+            <p:extLst>
+              <p:ext uri="{D42A27DB-BD31-4B8C-83A1-F6EECF244321}">
+                <p14:modId xmlns:p14="http://schemas.microsoft.com/office/powerpoint/2010/main" val="1899269439"/>
+              </p:ext>
+            </p:extLst>
+          </p:nvPr>
         </p:nvGraphicFramePr>
         <p:xfrm>
           <a:off x="768350" y="3573463"/>
@@ -8383,7 +8395,7 @@
                         <a:tabLst/>
                       </a:pPr>
                       <a:r>
-                        <a:rPr kumimoji="1" lang="en-US" altLang="ko-KR" sz="1400" b="0" i="0" u="none" strike="noStrike" cap="none" normalizeH="0" baseline="0">
+                        <a:rPr kumimoji="1" lang="en-US" altLang="ko-KR" sz="1400" b="0" i="0" u="none" strike="noStrike" cap="none" normalizeH="0" baseline="0" dirty="0">
                           <a:ln>
                             <a:noFill/>
                           </a:ln>
@@ -8394,7 +8406,7 @@
                           <a:latin typeface="Times New Roman" panose="02020603050405020304" pitchFamily="18" charset="0"/>
                           <a:ea typeface="굴림" panose="020B0600000101010101" pitchFamily="50" charset="-127"/>
                         </a:rPr>
-                        <a:t>B’</a:t>
+                        <a:t> </a:t>
                       </a:r>
                     </a:p>
                   </a:txBody>
@@ -10396,7 +10408,7 @@
                         <a:tabLst/>
                       </a:pPr>
                       <a:r>
-                        <a:rPr kumimoji="1" lang="en-US" altLang="ko-KR" sz="1400" b="0" i="0" u="none" strike="noStrike" cap="none" normalizeH="0" baseline="0">
+                        <a:rPr kumimoji="1" lang="en-US" altLang="ko-KR" sz="1400" b="0" i="0" u="none" strike="noStrike" cap="none" normalizeH="0" baseline="0" dirty="0">
                           <a:ln>
                             <a:noFill/>
                           </a:ln>
@@ -10428,7 +10440,7 @@
                         <a:tabLst/>
                       </a:pPr>
                       <a:r>
-                        <a:rPr kumimoji="1" lang="en-US" altLang="ko-KR" sz="1400" b="0" i="0" u="none" strike="noStrike" cap="none" normalizeH="0" baseline="0">
+                        <a:rPr kumimoji="1" lang="en-US" altLang="ko-KR" sz="1400" b="0" i="0" u="none" strike="noStrike" cap="none" normalizeH="0" baseline="0" dirty="0">
                           <a:ln>
                             <a:noFill/>
                           </a:ln>
@@ -10460,7 +10472,7 @@
                         <a:tabLst/>
                       </a:pPr>
                       <a:r>
-                        <a:rPr kumimoji="1" lang="en-US" altLang="ko-KR" sz="1400" b="0" i="0" u="none" strike="noStrike" cap="none" normalizeH="0" baseline="0">
+                        <a:rPr kumimoji="1" lang="en-US" altLang="ko-KR" sz="1400" b="0" i="0" u="none" strike="noStrike" cap="none" normalizeH="0" baseline="0" dirty="0">
                           <a:ln>
                             <a:noFill/>
                           </a:ln>
@@ -10492,7 +10504,7 @@
                         <a:tabLst/>
                       </a:pPr>
                       <a:r>
-                        <a:rPr kumimoji="1" lang="en-US" altLang="ko-KR" sz="1400" b="0" i="0" u="none" strike="noStrike" cap="none" normalizeH="0" baseline="0">
+                        <a:rPr kumimoji="1" lang="en-US" altLang="ko-KR" sz="1400" b="0" i="0" u="none" strike="noStrike" cap="none" normalizeH="0" baseline="0" dirty="0">
                           <a:ln>
                             <a:noFill/>
                           </a:ln>
@@ -10524,7 +10536,7 @@
                         <a:tabLst/>
                       </a:pPr>
                       <a:r>
-                        <a:rPr kumimoji="1" lang="en-US" altLang="ko-KR" sz="1400" b="0" i="0" u="none" strike="noStrike" cap="none" normalizeH="0" baseline="0">
+                        <a:rPr kumimoji="1" lang="en-US" altLang="ko-KR" sz="1400" b="0" i="0" u="none" strike="noStrike" cap="none" normalizeH="0" baseline="0" dirty="0">
                           <a:ln>
                             <a:noFill/>
                           </a:ln>
@@ -10556,7 +10568,7 @@
                         <a:tabLst/>
                       </a:pPr>
                       <a:r>
-                        <a:rPr kumimoji="1" lang="en-US" altLang="ko-KR" sz="1400" b="0" i="0" u="none" strike="noStrike" cap="none" normalizeH="0" baseline="0">
+                        <a:rPr kumimoji="1" lang="en-US" altLang="ko-KR" sz="1400" b="0" i="0" u="none" strike="noStrike" cap="none" normalizeH="0" baseline="0" dirty="0">
                           <a:ln>
                             <a:noFill/>
                           </a:ln>
@@ -10588,7 +10600,7 @@
                         <a:tabLst/>
                       </a:pPr>
                       <a:r>
-                        <a:rPr kumimoji="1" lang="en-US" altLang="ko-KR" sz="1400" b="0" i="0" u="none" strike="noStrike" cap="none" normalizeH="0" baseline="0">
+                        <a:rPr kumimoji="1" lang="en-US" altLang="ko-KR" sz="1400" b="0" i="0" u="none" strike="noStrike" cap="none" normalizeH="0" baseline="0" dirty="0">
                           <a:ln>
                             <a:noFill/>
                           </a:ln>
@@ -10620,7 +10632,7 @@
                         <a:tabLst/>
                       </a:pPr>
                       <a:r>
-                        <a:rPr kumimoji="1" lang="en-US" altLang="ko-KR" sz="1400" b="0" i="0" u="none" strike="noStrike" cap="none" normalizeH="0" baseline="0">
+                        <a:rPr kumimoji="1" lang="en-US" altLang="ko-KR" sz="1400" b="0" i="0" u="none" strike="noStrike" cap="none" normalizeH="0" baseline="0" dirty="0">
                           <a:ln>
                             <a:noFill/>
                           </a:ln>
@@ -12713,7 +12725,7 @@
                         <a:tabLst/>
                       </a:pPr>
                       <a:r>
-                        <a:rPr kumimoji="1" lang="en-US" altLang="ko-KR" sz="1400" b="0" i="0" u="none" strike="noStrike" cap="none" normalizeH="0" baseline="0">
+                        <a:rPr kumimoji="1" lang="en-US" altLang="ko-KR" sz="1400" b="0" i="0" u="none" strike="noStrike" cap="none" normalizeH="0" baseline="0" dirty="0">
                           <a:ln>
                             <a:noFill/>
                           </a:ln>
@@ -12745,7 +12757,7 @@
                         <a:tabLst/>
                       </a:pPr>
                       <a:r>
-                        <a:rPr kumimoji="1" lang="en-US" altLang="ko-KR" sz="1400" b="0" i="0" u="none" strike="noStrike" cap="none" normalizeH="0" baseline="0">
+                        <a:rPr kumimoji="1" lang="en-US" altLang="ko-KR" sz="1400" b="0" i="0" u="none" strike="noStrike" cap="none" normalizeH="0" baseline="0" dirty="0">
                           <a:ln>
                             <a:noFill/>
                           </a:ln>
@@ -12777,7 +12789,7 @@
                         <a:tabLst/>
                       </a:pPr>
                       <a:r>
-                        <a:rPr kumimoji="1" lang="en-US" altLang="ko-KR" sz="1400" b="0" i="0" u="none" strike="noStrike" cap="none" normalizeH="0" baseline="0">
+                        <a:rPr kumimoji="1" lang="en-US" altLang="ko-KR" sz="1400" b="0" i="0" u="none" strike="noStrike" cap="none" normalizeH="0" baseline="0" dirty="0">
                           <a:ln>
                             <a:noFill/>
                           </a:ln>
@@ -12809,7 +12821,7 @@
                         <a:tabLst/>
                       </a:pPr>
                       <a:r>
-                        <a:rPr kumimoji="1" lang="en-US" altLang="ko-KR" sz="1400" b="0" i="0" u="none" strike="noStrike" cap="none" normalizeH="0" baseline="0">
+                        <a:rPr kumimoji="1" lang="en-US" altLang="ko-KR" sz="1400" b="0" i="0" u="none" strike="noStrike" cap="none" normalizeH="0" baseline="0" dirty="0">
                           <a:ln>
                             <a:noFill/>
                           </a:ln>
@@ -12841,7 +12853,7 @@
                         <a:tabLst/>
                       </a:pPr>
                       <a:r>
-                        <a:rPr kumimoji="1" lang="en-US" altLang="ko-KR" sz="1400" b="0" i="0" u="none" strike="noStrike" cap="none" normalizeH="0" baseline="0">
+                        <a:rPr kumimoji="1" lang="en-US" altLang="ko-KR" sz="1400" b="0" i="0" u="none" strike="noStrike" cap="none" normalizeH="0" baseline="0" dirty="0">
                           <a:ln>
                             <a:noFill/>
                           </a:ln>
@@ -12873,7 +12885,7 @@
                         <a:tabLst/>
                       </a:pPr>
                       <a:r>
-                        <a:rPr kumimoji="1" lang="en-US" altLang="ko-KR" sz="1400" b="0" i="0" u="none" strike="noStrike" cap="none" normalizeH="0" baseline="0">
+                        <a:rPr kumimoji="1" lang="en-US" altLang="ko-KR" sz="1400" b="0" i="0" u="none" strike="noStrike" cap="none" normalizeH="0" baseline="0" dirty="0">
                           <a:ln>
                             <a:noFill/>
                           </a:ln>
@@ -12905,7 +12917,7 @@
                         <a:tabLst/>
                       </a:pPr>
                       <a:r>
-                        <a:rPr kumimoji="1" lang="en-US" altLang="ko-KR" sz="1400" b="0" i="0" u="none" strike="noStrike" cap="none" normalizeH="0" baseline="0">
+                        <a:rPr kumimoji="1" lang="en-US" altLang="ko-KR" sz="1400" b="0" i="0" u="none" strike="noStrike" cap="none" normalizeH="0" baseline="0" dirty="0">
                           <a:ln>
                             <a:noFill/>
                           </a:ln>
@@ -12937,7 +12949,7 @@
                         <a:tabLst/>
                       </a:pPr>
                       <a:r>
-                        <a:rPr kumimoji="1" lang="en-US" altLang="ko-KR" sz="1400" b="0" i="0" u="none" strike="noStrike" cap="none" normalizeH="0" baseline="0">
+                        <a:rPr kumimoji="1" lang="en-US" altLang="ko-KR" sz="1400" b="0" i="0" u="none" strike="noStrike" cap="none" normalizeH="0" baseline="0" dirty="0">
                           <a:ln>
                             <a:noFill/>
                           </a:ln>
@@ -13780,7 +13792,13 @@
                       <p:embed/>
                       <p:pic>
                         <p:nvPicPr>
-                          <p:cNvPr id="0" name="Object 61"/>
+                          <p:cNvPr id="15399" name="Object 61">
+                            <a:extLst>
+                              <a:ext uri="{FF2B5EF4-FFF2-40B4-BE49-F238E27FC236}">
+                                <a16:creationId xmlns:a16="http://schemas.microsoft.com/office/drawing/2014/main" id="{EF2DB9EE-4B3D-40F4-BAC5-F4255088EE9D}"/>
+                              </a:ext>
+                            </a:extLst>
+                          </p:cNvPr>
                           <p:cNvPicPr>
                             <a:picLocks noChangeAspect="1" noChangeArrowheads="1"/>
                           </p:cNvPicPr>
@@ -14307,7 +14325,13 @@
                   <p:embed/>
                   <p:pic>
                     <p:nvPicPr>
-                      <p:cNvPr id="0" name="Object 5"/>
+                      <p:cNvPr id="16388" name="Object 5">
+                        <a:extLst>
+                          <a:ext uri="{FF2B5EF4-FFF2-40B4-BE49-F238E27FC236}">
+                            <a16:creationId xmlns:a16="http://schemas.microsoft.com/office/drawing/2014/main" id="{C4862531-B7FE-43B4-BBEE-938F71A646D1}"/>
+                          </a:ext>
+                        </a:extLst>
+                      </p:cNvPr>
                       <p:cNvPicPr>
                         <a:picLocks noChangeAspect="1" noChangeArrowheads="1"/>
                       </p:cNvPicPr>
@@ -14406,7 +14430,13 @@
                   <p:embed/>
                   <p:pic>
                     <p:nvPicPr>
-                      <p:cNvPr id="0" name="Object 8"/>
+                      <p:cNvPr id="16389" name="Object 8">
+                        <a:extLst>
+                          <a:ext uri="{FF2B5EF4-FFF2-40B4-BE49-F238E27FC236}">
+                            <a16:creationId xmlns:a16="http://schemas.microsoft.com/office/drawing/2014/main" id="{A3ADCB45-A198-489F-BD48-D0F7632B1E3E}"/>
+                          </a:ext>
+                        </a:extLst>
+                      </p:cNvPr>
                       <p:cNvPicPr>
                         <a:picLocks noChangeAspect="1" noChangeArrowheads="1"/>
                       </p:cNvPicPr>
@@ -14505,7 +14535,13 @@
                   <p:embed/>
                   <p:pic>
                     <p:nvPicPr>
-                      <p:cNvPr id="0" name="Object 9"/>
+                      <p:cNvPr id="16390" name="Object 9">
+                        <a:extLst>
+                          <a:ext uri="{FF2B5EF4-FFF2-40B4-BE49-F238E27FC236}">
+                            <a16:creationId xmlns:a16="http://schemas.microsoft.com/office/drawing/2014/main" id="{EAE7B1CE-A9DB-46FB-9F40-63E88E7B48B2}"/>
+                          </a:ext>
+                        </a:extLst>
+                      </p:cNvPr>
                       <p:cNvPicPr>
                         <a:picLocks noChangeAspect="1" noChangeArrowheads="1"/>
                       </p:cNvPicPr>
@@ -14604,7 +14640,13 @@
                   <p:embed/>
                   <p:pic>
                     <p:nvPicPr>
-                      <p:cNvPr id="0" name="Object 10"/>
+                      <p:cNvPr id="16391" name="Object 10">
+                        <a:extLst>
+                          <a:ext uri="{FF2B5EF4-FFF2-40B4-BE49-F238E27FC236}">
+                            <a16:creationId xmlns:a16="http://schemas.microsoft.com/office/drawing/2014/main" id="{7826C0C2-6F3D-4F9B-AFCF-3D5902698C5A}"/>
+                          </a:ext>
+                        </a:extLst>
+                      </p:cNvPr>
                       <p:cNvPicPr>
                         <a:picLocks noChangeAspect="1" noChangeArrowheads="1"/>
                       </p:cNvPicPr>
@@ -14703,7 +14745,13 @@
                   <p:embed/>
                   <p:pic>
                     <p:nvPicPr>
-                      <p:cNvPr id="0" name="Object 11"/>
+                      <p:cNvPr id="16392" name="Object 11">
+                        <a:extLst>
+                          <a:ext uri="{FF2B5EF4-FFF2-40B4-BE49-F238E27FC236}">
+                            <a16:creationId xmlns:a16="http://schemas.microsoft.com/office/drawing/2014/main" id="{48A666C8-DC71-4196-96D0-33973952B40C}"/>
+                          </a:ext>
+                        </a:extLst>
+                      </p:cNvPr>
                       <p:cNvPicPr>
                         <a:picLocks noChangeAspect="1" noChangeArrowheads="1"/>
                       </p:cNvPicPr>
@@ -14802,7 +14850,13 @@
                   <p:embed/>
                   <p:pic>
                     <p:nvPicPr>
-                      <p:cNvPr id="0" name="Object 12"/>
+                      <p:cNvPr id="16393" name="Object 12">
+                        <a:extLst>
+                          <a:ext uri="{FF2B5EF4-FFF2-40B4-BE49-F238E27FC236}">
+                            <a16:creationId xmlns:a16="http://schemas.microsoft.com/office/drawing/2014/main" id="{A2BD6565-ABCC-4797-9A80-E0C795DE65E2}"/>
+                          </a:ext>
+                        </a:extLst>
+                      </p:cNvPr>
                       <p:cNvPicPr>
                         <a:picLocks noChangeAspect="1" noChangeArrowheads="1"/>
                       </p:cNvPicPr>
@@ -14901,7 +14955,13 @@
                   <p:embed/>
                   <p:pic>
                     <p:nvPicPr>
-                      <p:cNvPr id="0" name="Object 13"/>
+                      <p:cNvPr id="16394" name="Object 13">
+                        <a:extLst>
+                          <a:ext uri="{FF2B5EF4-FFF2-40B4-BE49-F238E27FC236}">
+                            <a16:creationId xmlns:a16="http://schemas.microsoft.com/office/drawing/2014/main" id="{09868E11-BE6A-4249-A1A0-97FC6DBCF457}"/>
+                          </a:ext>
+                        </a:extLst>
+                      </p:cNvPr>
                       <p:cNvPicPr>
                         <a:picLocks noChangeAspect="1" noChangeArrowheads="1"/>
                       </p:cNvPicPr>
@@ -15000,7 +15060,13 @@
                   <p:embed/>
                   <p:pic>
                     <p:nvPicPr>
-                      <p:cNvPr id="0" name="Object 14"/>
+                      <p:cNvPr id="16395" name="Object 14">
+                        <a:extLst>
+                          <a:ext uri="{FF2B5EF4-FFF2-40B4-BE49-F238E27FC236}">
+                            <a16:creationId xmlns:a16="http://schemas.microsoft.com/office/drawing/2014/main" id="{2B485606-72C8-4474-A30A-A260156CA78D}"/>
+                          </a:ext>
+                        </a:extLst>
+                      </p:cNvPr>
                       <p:cNvPicPr>
                         <a:picLocks noChangeAspect="1" noChangeArrowheads="1"/>
                       </p:cNvPicPr>
@@ -31700,7 +31766,13 @@
                   <p:embed/>
                   <p:pic>
                     <p:nvPicPr>
-                      <p:cNvPr id="0" name="Object 5"/>
+                      <p:cNvPr id="8197" name="Object 5">
+                        <a:extLst>
+                          <a:ext uri="{FF2B5EF4-FFF2-40B4-BE49-F238E27FC236}">
+                            <a16:creationId xmlns:a16="http://schemas.microsoft.com/office/drawing/2014/main" id="{2C71AAB1-9C6C-40C1-9CF2-55CB928C5329}"/>
+                          </a:ext>
+                        </a:extLst>
+                      </p:cNvPr>
                       <p:cNvPicPr>
                         <a:picLocks noChangeAspect="1" noChangeArrowheads="1"/>
                       </p:cNvPicPr>
@@ -35540,7 +35612,13 @@
                   <p:embed/>
                   <p:pic>
                     <p:nvPicPr>
-                      <p:cNvPr id="0" name="Object 20"/>
+                      <p:cNvPr id="10252" name="Object 20">
+                        <a:extLst>
+                          <a:ext uri="{FF2B5EF4-FFF2-40B4-BE49-F238E27FC236}">
+                            <a16:creationId xmlns:a16="http://schemas.microsoft.com/office/drawing/2014/main" id="{D5694B6E-31F4-4A9C-92E2-4CFBE41A2FCF}"/>
+                          </a:ext>
+                        </a:extLst>
+                      </p:cNvPr>
                       <p:cNvPicPr>
                         <a:picLocks noChangeAspect="1" noChangeArrowheads="1"/>
                       </p:cNvPicPr>
@@ -36569,7 +36647,13 @@
                   <p:embed/>
                   <p:pic>
                     <p:nvPicPr>
-                      <p:cNvPr id="0" name="Object 5"/>
+                      <p:cNvPr id="11269" name="Object 5">
+                        <a:extLst>
+                          <a:ext uri="{FF2B5EF4-FFF2-40B4-BE49-F238E27FC236}">
+                            <a16:creationId xmlns:a16="http://schemas.microsoft.com/office/drawing/2014/main" id="{A4D8E8F5-B37F-485C-8E5E-B4341D6738F0}"/>
+                          </a:ext>
+                        </a:extLst>
+                      </p:cNvPr>
                       <p:cNvPicPr>
                         <a:picLocks noChangeAspect="1" noChangeArrowheads="1"/>
                       </p:cNvPicPr>
@@ -37224,7 +37308,13 @@
                   <p:embed/>
                   <p:pic>
                     <p:nvPicPr>
-                      <p:cNvPr id="0" name="Object 10"/>
+                      <p:cNvPr id="11274" name="Object 10">
+                        <a:extLst>
+                          <a:ext uri="{FF2B5EF4-FFF2-40B4-BE49-F238E27FC236}">
+                            <a16:creationId xmlns:a16="http://schemas.microsoft.com/office/drawing/2014/main" id="{D27BF19D-83BE-4296-8C93-D75712E69754}"/>
+                          </a:ext>
+                        </a:extLst>
+                      </p:cNvPr>
                       <p:cNvPicPr>
                         <a:picLocks noChangeAspect="1" noChangeArrowheads="1"/>
                       </p:cNvPicPr>
@@ -37807,7 +37897,13 @@
                   <p:embed/>
                   <p:pic>
                     <p:nvPicPr>
-                      <p:cNvPr id="0" name="Object 5"/>
+                      <p:cNvPr id="12292" name="Object 5">
+                        <a:extLst>
+                          <a:ext uri="{FF2B5EF4-FFF2-40B4-BE49-F238E27FC236}">
+                            <a16:creationId xmlns:a16="http://schemas.microsoft.com/office/drawing/2014/main" id="{CE3E3BC4-1D90-4E21-810A-5B00B7F92616}"/>
+                          </a:ext>
+                        </a:extLst>
+                      </p:cNvPr>
                       <p:cNvPicPr>
                         <a:picLocks noChangeAspect="1" noChangeArrowheads="1"/>
                       </p:cNvPicPr>
@@ -37906,7 +38002,13 @@
                   <p:embed/>
                   <p:pic>
                     <p:nvPicPr>
-                      <p:cNvPr id="0" name="Object 7"/>
+                      <p:cNvPr id="12293" name="Object 7">
+                        <a:extLst>
+                          <a:ext uri="{FF2B5EF4-FFF2-40B4-BE49-F238E27FC236}">
+                            <a16:creationId xmlns:a16="http://schemas.microsoft.com/office/drawing/2014/main" id="{8EE35E8B-C23B-4A2C-891E-23C07EB6CE32}"/>
+                          </a:ext>
+                        </a:extLst>
+                      </p:cNvPr>
                       <p:cNvPicPr>
                         <a:picLocks noChangeAspect="1" noChangeArrowheads="1"/>
                       </p:cNvPicPr>
@@ -38875,7 +38977,13 @@
                   <p:embed/>
                   <p:pic>
                     <p:nvPicPr>
-                      <p:cNvPr id="0" name="Object 5"/>
+                      <p:cNvPr id="13316" name="Object 5">
+                        <a:extLst>
+                          <a:ext uri="{FF2B5EF4-FFF2-40B4-BE49-F238E27FC236}">
+                            <a16:creationId xmlns:a16="http://schemas.microsoft.com/office/drawing/2014/main" id="{0B7AF5E0-6A68-43CC-A05B-3FAA6B807E91}"/>
+                          </a:ext>
+                        </a:extLst>
+                      </p:cNvPr>
                       <p:cNvPicPr>
                         <a:picLocks noChangeAspect="1" noChangeArrowheads="1"/>
                       </p:cNvPicPr>
@@ -38974,7 +39082,13 @@
                   <p:embed/>
                   <p:pic>
                     <p:nvPicPr>
-                      <p:cNvPr id="0" name="Object 6"/>
+                      <p:cNvPr id="13317" name="Object 6">
+                        <a:extLst>
+                          <a:ext uri="{FF2B5EF4-FFF2-40B4-BE49-F238E27FC236}">
+                            <a16:creationId xmlns:a16="http://schemas.microsoft.com/office/drawing/2014/main" id="{B27E55ED-EEB6-429C-AEA0-BA8ED9E160B3}"/>
+                          </a:ext>
+                        </a:extLst>
+                      </p:cNvPr>
                       <p:cNvPicPr>
                         <a:picLocks noChangeAspect="1" noChangeArrowheads="1"/>
                       </p:cNvPicPr>
@@ -39073,7 +39187,13 @@
                   <p:embed/>
                   <p:pic>
                     <p:nvPicPr>
-                      <p:cNvPr id="0" name="Object 7"/>
+                      <p:cNvPr id="13318" name="Object 7">
+                        <a:extLst>
+                          <a:ext uri="{FF2B5EF4-FFF2-40B4-BE49-F238E27FC236}">
+                            <a16:creationId xmlns:a16="http://schemas.microsoft.com/office/drawing/2014/main" id="{DB548762-8D7D-40A7-843A-99B7DA143726}"/>
+                          </a:ext>
+                        </a:extLst>
+                      </p:cNvPr>
                       <p:cNvPicPr>
                         <a:picLocks noChangeAspect="1" noChangeArrowheads="1"/>
                       </p:cNvPicPr>
@@ -39167,7 +39287,13 @@
                   <p:embed/>
                   <p:pic>
                     <p:nvPicPr>
-                      <p:cNvPr id="0" name="Object 8"/>
+                      <p:cNvPr id="13319" name="Object 8">
+                        <a:extLst>
+                          <a:ext uri="{FF2B5EF4-FFF2-40B4-BE49-F238E27FC236}">
+                            <a16:creationId xmlns:a16="http://schemas.microsoft.com/office/drawing/2014/main" id="{8EDE0AA8-8D45-4EEB-B943-E50E91938F88}"/>
+                          </a:ext>
+                        </a:extLst>
+                      </p:cNvPr>
                       <p:cNvPicPr>
                         <a:picLocks noChangeAspect="1" noChangeArrowheads="1"/>
                       </p:cNvPicPr>
